--- a/pitch.pptx
+++ b/pitch.pptx
@@ -5,7 +5,7 @@
     <p:sldMasterId id="2147483674" r:id="rId1"/>
   </p:sldMasterIdLst>
   <p:notesMasterIdLst>
-    <p:notesMasterId r:id="rId10"/>
+    <p:notesMasterId r:id="rId9"/>
   </p:notesMasterIdLst>
   <p:sldIdLst>
     <p:sldId id="256" r:id="rId2"/>
@@ -14,32 +14,31 @@
     <p:sldId id="299" r:id="rId5"/>
     <p:sldId id="260" r:id="rId6"/>
     <p:sldId id="297" r:id="rId7"/>
-    <p:sldId id="298" r:id="rId8"/>
-    <p:sldId id="266" r:id="rId9"/>
+    <p:sldId id="266" r:id="rId8"/>
   </p:sldIdLst>
   <p:sldSz cx="9144000" cy="5143500" type="screen16x9"/>
   <p:notesSz cx="6858000" cy="9144000"/>
   <p:embeddedFontLst>
     <p:embeddedFont>
       <p:font typeface="Bebas Neue" panose="020B0606020202050201" pitchFamily="34" charset="0"/>
-      <p:regular r:id="rId11"/>
+      <p:regular r:id="rId10"/>
     </p:embeddedFont>
     <p:embeddedFont>
       <p:font typeface="Maven Pro" panose="020B0604020202020204" charset="0"/>
-      <p:regular r:id="rId12"/>
-      <p:bold r:id="rId13"/>
+      <p:regular r:id="rId11"/>
+      <p:bold r:id="rId12"/>
     </p:embeddedFont>
     <p:embeddedFont>
       <p:font typeface="PT Sans" panose="020B0503020203020204" pitchFamily="34" charset="0"/>
-      <p:regular r:id="rId14"/>
-      <p:bold r:id="rId15"/>
-      <p:italic r:id="rId16"/>
-      <p:boldItalic r:id="rId17"/>
+      <p:regular r:id="rId13"/>
+      <p:bold r:id="rId14"/>
+      <p:italic r:id="rId15"/>
+      <p:boldItalic r:id="rId16"/>
     </p:embeddedFont>
     <p:embeddedFont>
       <p:font typeface="Trispace" panose="020B0604020202020204" charset="0"/>
-      <p:regular r:id="rId18"/>
-      <p:bold r:id="rId19"/>
+      <p:regular r:id="rId17"/>
+      <p:bold r:id="rId18"/>
     </p:embeddedFont>
   </p:embeddedFontLst>
   <p:defaultTextStyle>
@@ -271,6 +270,11 @@
       </a:defRPr>
     </a:lvl9pPr>
   </p:defaultTextStyle>
+  <p:extLst>
+    <p:ext uri="{EFAFB233-063F-42B5-8137-9DF3F51BA10A}">
+      <p15:sldGuideLst xmlns:p15="http://schemas.microsoft.com/office/powerpoint/2012/main"/>
+    </p:ext>
+  </p:extLst>
 </p:presentation>
 </file>
 
@@ -1358,115 +1362,6 @@
 </file>
 
 <file path=ppt/notesSlides/notesSlide7.xml><?xml version="1.0" encoding="utf-8"?>
-<p:notes xmlns:a="http://schemas.openxmlformats.org/drawingml/2006/main" xmlns:r="http://schemas.openxmlformats.org/officeDocument/2006/relationships" xmlns:p="http://schemas.openxmlformats.org/presentationml/2006/main" showMasterSp="0" showMasterPhAnim="0">
-  <p:cSld>
-    <p:spTree>
-      <p:nvGrpSpPr>
-        <p:cNvPr id="1" name="Shape 394"/>
-        <p:cNvGrpSpPr/>
-        <p:nvPr/>
-      </p:nvGrpSpPr>
-      <p:grpSpPr>
-        <a:xfrm>
-          <a:off x="0" y="0"/>
-          <a:ext cx="0" cy="0"/>
-          <a:chOff x="0" y="0"/>
-          <a:chExt cx="0" cy="0"/>
-        </a:xfrm>
-      </p:grpSpPr>
-      <p:sp>
-        <p:nvSpPr>
-          <p:cNvPr id="395" name="Google Shape;395;g99f2f57a71_0_177:notes"/>
-          <p:cNvSpPr>
-            <a:spLocks noGrp="1" noRot="1" noChangeAspect="1"/>
-          </p:cNvSpPr>
-          <p:nvPr>
-            <p:ph type="sldImg" idx="2"/>
-          </p:nvPr>
-        </p:nvSpPr>
-        <p:spPr>
-          <a:xfrm>
-            <a:off x="381000" y="685800"/>
-            <a:ext cx="6096000" cy="3429000"/>
-          </a:xfrm>
-          <a:custGeom>
-            <a:avLst/>
-            <a:gdLst/>
-            <a:ahLst/>
-            <a:cxnLst/>
-            <a:rect l="l" t="t" r="r" b="b"/>
-            <a:pathLst>
-              <a:path w="120000" h="120000" extrusionOk="0">
-                <a:moveTo>
-                  <a:pt x="0" y="0"/>
-                </a:moveTo>
-                <a:lnTo>
-                  <a:pt x="120000" y="0"/>
-                </a:lnTo>
-                <a:lnTo>
-                  <a:pt x="120000" y="120000"/>
-                </a:lnTo>
-                <a:lnTo>
-                  <a:pt x="0" y="120000"/>
-                </a:lnTo>
-                <a:close/>
-              </a:path>
-            </a:pathLst>
-          </a:custGeom>
-        </p:spPr>
-      </p:sp>
-      <p:sp>
-        <p:nvSpPr>
-          <p:cNvPr id="396" name="Google Shape;396;g99f2f57a71_0_177:notes"/>
-          <p:cNvSpPr txBox="1">
-            <a:spLocks noGrp="1"/>
-          </p:cNvSpPr>
-          <p:nvPr>
-            <p:ph type="body" idx="1"/>
-          </p:nvPr>
-        </p:nvSpPr>
-        <p:spPr>
-          <a:xfrm>
-            <a:off x="685800" y="4343400"/>
-            <a:ext cx="5486400" cy="4114800"/>
-          </a:xfrm>
-          <a:prstGeom prst="rect">
-            <a:avLst/>
-          </a:prstGeom>
-        </p:spPr>
-        <p:txBody>
-          <a:bodyPr spcFirstLastPara="1" wrap="square" lIns="91425" tIns="91425" rIns="91425" bIns="91425" anchor="t" anchorCtr="0">
-            <a:noAutofit/>
-          </a:bodyPr>
-          <a:lstStyle/>
-          <a:p>
-            <a:pPr marL="0" lvl="0" indent="0" algn="l" rtl="0">
-              <a:spcBef>
-                <a:spcPts val="0"/>
-              </a:spcBef>
-              <a:spcAft>
-                <a:spcPts val="0"/>
-              </a:spcAft>
-              <a:buNone/>
-            </a:pPr>
-            <a:endParaRPr/>
-          </a:p>
-        </p:txBody>
-      </p:sp>
-    </p:spTree>
-    <p:extLst>
-      <p:ext uri="{BB962C8B-B14F-4D97-AF65-F5344CB8AC3E}">
-        <p14:creationId xmlns:p14="http://schemas.microsoft.com/office/powerpoint/2010/main" val="4216210191"/>
-      </p:ext>
-    </p:extLst>
-  </p:cSld>
-  <p:clrMapOvr>
-    <a:masterClrMapping/>
-  </p:clrMapOvr>
-</p:notes>
-</file>
-
-<file path=ppt/notesSlides/notesSlide8.xml><?xml version="1.0" encoding="utf-8"?>
 <p:notes xmlns:a="http://schemas.openxmlformats.org/drawingml/2006/main" xmlns:r="http://schemas.openxmlformats.org/officeDocument/2006/relationships" xmlns:p="http://schemas.openxmlformats.org/presentationml/2006/main" showMasterSp="0" showMasterPhAnim="0">
   <p:cSld>
     <p:spTree>
@@ -35292,6 +35187,346 @@
           </a:p>
         </p:txBody>
       </p:sp>
+      <p:sp>
+        <p:nvSpPr>
+          <p:cNvPr id="3" name="Google Shape;399;p32">
+            <a:extLst>
+              <a:ext uri="{FF2B5EF4-FFF2-40B4-BE49-F238E27FC236}">
+                <a16:creationId xmlns:a16="http://schemas.microsoft.com/office/drawing/2014/main" id="{77859E99-60D2-8116-68ED-C7E95B8C8A42}"/>
+              </a:ext>
+            </a:extLst>
+          </p:cNvPr>
+          <p:cNvSpPr txBox="1">
+            <a:spLocks/>
+          </p:cNvSpPr>
+          <p:nvPr/>
+        </p:nvSpPr>
+        <p:spPr>
+          <a:xfrm>
+            <a:off x="862031" y="1484119"/>
+            <a:ext cx="4688280" cy="1984795"/>
+          </a:xfrm>
+          <a:prstGeom prst="rect">
+            <a:avLst/>
+          </a:prstGeom>
+          <a:noFill/>
+          <a:ln>
+            <a:noFill/>
+          </a:ln>
+        </p:spPr>
+        <p:txBody>
+          <a:bodyPr spcFirstLastPara="1" wrap="square" lIns="91425" tIns="91425" rIns="91425" bIns="91425" anchor="t" anchorCtr="0">
+            <a:noAutofit/>
+          </a:bodyPr>
+          <a:lstStyle>
+            <a:defPPr marR="0" lvl="0" algn="l" rtl="0">
+              <a:lnSpc>
+                <a:spcPct val="100000"/>
+              </a:lnSpc>
+              <a:spcBef>
+                <a:spcPts val="0"/>
+              </a:spcBef>
+              <a:spcAft>
+                <a:spcPts val="0"/>
+              </a:spcAft>
+            </a:defPPr>
+            <a:lvl1pPr marL="457200" marR="0" lvl="0" indent="-304800" algn="ctr" rtl="0">
+              <a:lnSpc>
+                <a:spcPct val="100000"/>
+              </a:lnSpc>
+              <a:spcBef>
+                <a:spcPts val="0"/>
+              </a:spcBef>
+              <a:spcAft>
+                <a:spcPts val="0"/>
+              </a:spcAft>
+              <a:buClr>
+                <a:schemeClr val="dk1"/>
+              </a:buClr>
+              <a:buSzPts val="2400"/>
+              <a:buFont typeface="PT Sans"/>
+              <a:buNone/>
+              <a:defRPr sz="1200" b="0" i="0" u="none" strike="noStrike" cap="none">
+                <a:solidFill>
+                  <a:schemeClr val="dk1"/>
+                </a:solidFill>
+                <a:latin typeface="Maven Pro"/>
+                <a:ea typeface="Maven Pro"/>
+                <a:cs typeface="Maven Pro"/>
+                <a:sym typeface="Maven Pro"/>
+              </a:defRPr>
+            </a:lvl1pPr>
+            <a:lvl2pPr marL="914400" marR="0" lvl="1" indent="-304800" algn="ctr" rtl="0">
+              <a:lnSpc>
+                <a:spcPct val="100000"/>
+              </a:lnSpc>
+              <a:spcBef>
+                <a:spcPts val="0"/>
+              </a:spcBef>
+              <a:spcAft>
+                <a:spcPts val="0"/>
+              </a:spcAft>
+              <a:buClr>
+                <a:schemeClr val="dk1"/>
+              </a:buClr>
+              <a:buSzPts val="2100"/>
+              <a:buFont typeface="Maven Pro"/>
+              <a:buNone/>
+              <a:defRPr sz="2100" b="0" i="0" u="none" strike="noStrike" cap="none">
+                <a:solidFill>
+                  <a:schemeClr val="dk1"/>
+                </a:solidFill>
+                <a:latin typeface="Maven Pro"/>
+                <a:ea typeface="Maven Pro"/>
+                <a:cs typeface="Maven Pro"/>
+                <a:sym typeface="Maven Pro"/>
+              </a:defRPr>
+            </a:lvl2pPr>
+            <a:lvl3pPr marL="1371600" marR="0" lvl="2" indent="-304800" algn="ctr" rtl="0">
+              <a:lnSpc>
+                <a:spcPct val="100000"/>
+              </a:lnSpc>
+              <a:spcBef>
+                <a:spcPts val="0"/>
+              </a:spcBef>
+              <a:spcAft>
+                <a:spcPts val="0"/>
+              </a:spcAft>
+              <a:buClr>
+                <a:schemeClr val="dk1"/>
+              </a:buClr>
+              <a:buSzPts val="2100"/>
+              <a:buFont typeface="Maven Pro"/>
+              <a:buNone/>
+              <a:defRPr sz="2100" b="0" i="0" u="none" strike="noStrike" cap="none">
+                <a:solidFill>
+                  <a:schemeClr val="dk1"/>
+                </a:solidFill>
+                <a:latin typeface="Maven Pro"/>
+                <a:ea typeface="Maven Pro"/>
+                <a:cs typeface="Maven Pro"/>
+                <a:sym typeface="Maven Pro"/>
+              </a:defRPr>
+            </a:lvl3pPr>
+            <a:lvl4pPr marL="1828800" marR="0" lvl="3" indent="-304800" algn="ctr" rtl="0">
+              <a:lnSpc>
+                <a:spcPct val="100000"/>
+              </a:lnSpc>
+              <a:spcBef>
+                <a:spcPts val="0"/>
+              </a:spcBef>
+              <a:spcAft>
+                <a:spcPts val="0"/>
+              </a:spcAft>
+              <a:buClr>
+                <a:schemeClr val="dk1"/>
+              </a:buClr>
+              <a:buSzPts val="2100"/>
+              <a:buFont typeface="PT Sans"/>
+              <a:buNone/>
+              <a:defRPr sz="2100" b="0" i="0" u="none" strike="noStrike" cap="none">
+                <a:solidFill>
+                  <a:schemeClr val="dk1"/>
+                </a:solidFill>
+                <a:latin typeface="PT Sans"/>
+                <a:ea typeface="PT Sans"/>
+                <a:cs typeface="PT Sans"/>
+                <a:sym typeface="PT Sans"/>
+              </a:defRPr>
+            </a:lvl4pPr>
+            <a:lvl5pPr marL="2286000" marR="0" lvl="4" indent="-304800" algn="ctr" rtl="0">
+              <a:lnSpc>
+                <a:spcPct val="100000"/>
+              </a:lnSpc>
+              <a:spcBef>
+                <a:spcPts val="0"/>
+              </a:spcBef>
+              <a:spcAft>
+                <a:spcPts val="0"/>
+              </a:spcAft>
+              <a:buClr>
+                <a:schemeClr val="dk1"/>
+              </a:buClr>
+              <a:buSzPts val="2100"/>
+              <a:buFont typeface="PT Sans"/>
+              <a:buNone/>
+              <a:defRPr sz="2100" b="0" i="0" u="none" strike="noStrike" cap="none">
+                <a:solidFill>
+                  <a:schemeClr val="dk1"/>
+                </a:solidFill>
+                <a:latin typeface="PT Sans"/>
+                <a:ea typeface="PT Sans"/>
+                <a:cs typeface="PT Sans"/>
+                <a:sym typeface="PT Sans"/>
+              </a:defRPr>
+            </a:lvl5pPr>
+            <a:lvl6pPr marL="2743200" marR="0" lvl="5" indent="-304800" algn="ctr" rtl="0">
+              <a:lnSpc>
+                <a:spcPct val="100000"/>
+              </a:lnSpc>
+              <a:spcBef>
+                <a:spcPts val="0"/>
+              </a:spcBef>
+              <a:spcAft>
+                <a:spcPts val="0"/>
+              </a:spcAft>
+              <a:buClr>
+                <a:schemeClr val="dk1"/>
+              </a:buClr>
+              <a:buSzPts val="2100"/>
+              <a:buFont typeface="PT Sans"/>
+              <a:buNone/>
+              <a:defRPr sz="2100" b="0" i="0" u="none" strike="noStrike" cap="none">
+                <a:solidFill>
+                  <a:schemeClr val="dk1"/>
+                </a:solidFill>
+                <a:latin typeface="PT Sans"/>
+                <a:ea typeface="PT Sans"/>
+                <a:cs typeface="PT Sans"/>
+                <a:sym typeface="PT Sans"/>
+              </a:defRPr>
+            </a:lvl6pPr>
+            <a:lvl7pPr marL="3200400" marR="0" lvl="6" indent="-304800" algn="ctr" rtl="0">
+              <a:lnSpc>
+                <a:spcPct val="100000"/>
+              </a:lnSpc>
+              <a:spcBef>
+                <a:spcPts val="0"/>
+              </a:spcBef>
+              <a:spcAft>
+                <a:spcPts val="0"/>
+              </a:spcAft>
+              <a:buClr>
+                <a:schemeClr val="dk1"/>
+              </a:buClr>
+              <a:buSzPts val="2100"/>
+              <a:buFont typeface="PT Sans"/>
+              <a:buNone/>
+              <a:defRPr sz="2100" b="0" i="0" u="none" strike="noStrike" cap="none">
+                <a:solidFill>
+                  <a:schemeClr val="dk1"/>
+                </a:solidFill>
+                <a:latin typeface="PT Sans"/>
+                <a:ea typeface="PT Sans"/>
+                <a:cs typeface="PT Sans"/>
+                <a:sym typeface="PT Sans"/>
+              </a:defRPr>
+            </a:lvl7pPr>
+            <a:lvl8pPr marL="3657600" marR="0" lvl="7" indent="-304800" algn="ctr" rtl="0">
+              <a:lnSpc>
+                <a:spcPct val="100000"/>
+              </a:lnSpc>
+              <a:spcBef>
+                <a:spcPts val="0"/>
+              </a:spcBef>
+              <a:spcAft>
+                <a:spcPts val="0"/>
+              </a:spcAft>
+              <a:buClr>
+                <a:schemeClr val="dk1"/>
+              </a:buClr>
+              <a:buSzPts val="2100"/>
+              <a:buFont typeface="PT Sans"/>
+              <a:buNone/>
+              <a:defRPr sz="2100" b="0" i="0" u="none" strike="noStrike" cap="none">
+                <a:solidFill>
+                  <a:schemeClr val="dk1"/>
+                </a:solidFill>
+                <a:latin typeface="PT Sans"/>
+                <a:ea typeface="PT Sans"/>
+                <a:cs typeface="PT Sans"/>
+                <a:sym typeface="PT Sans"/>
+              </a:defRPr>
+            </a:lvl8pPr>
+            <a:lvl9pPr marL="4114800" marR="0" lvl="8" indent="-304800" algn="ctr" rtl="0">
+              <a:lnSpc>
+                <a:spcPct val="100000"/>
+              </a:lnSpc>
+              <a:spcBef>
+                <a:spcPts val="0"/>
+              </a:spcBef>
+              <a:spcAft>
+                <a:spcPts val="0"/>
+              </a:spcAft>
+              <a:buClr>
+                <a:schemeClr val="dk1"/>
+              </a:buClr>
+              <a:buSzPts val="2100"/>
+              <a:buFont typeface="PT Sans"/>
+              <a:buNone/>
+              <a:defRPr sz="2100" b="0" i="0" u="none" strike="noStrike" cap="none">
+                <a:solidFill>
+                  <a:schemeClr val="dk1"/>
+                </a:solidFill>
+                <a:latin typeface="PT Sans"/>
+                <a:ea typeface="PT Sans"/>
+                <a:cs typeface="PT Sans"/>
+                <a:sym typeface="PT Sans"/>
+              </a:defRPr>
+            </a:lvl9pPr>
+          </a:lstStyle>
+          <a:p>
+            <a:pPr marL="0" indent="0" algn="l"/>
+            <a:r>
+              <a:rPr lang="en-US" dirty="0"/>
+              <a:t>The backend system is using tools such as API </a:t>
+            </a:r>
+            <a:r>
+              <a:rPr lang="en-US" dirty="0" err="1"/>
+              <a:t>MapsSDK</a:t>
+            </a:r>
+            <a:r>
+              <a:rPr lang="en-US" dirty="0"/>
+              <a:t>, web search with DuckDuckGo, and S3 file uploader. We are using LLMs (e.g., GPT-4o) with APIs and tools for efficient data curation and schema enforcement, avoiding the limitations of RAGs and scrapers. The approach leverages </a:t>
+            </a:r>
+            <a:r>
+              <a:rPr lang="en-US" dirty="0" err="1"/>
+              <a:t>LangChain</a:t>
+            </a:r>
+            <a:r>
+              <a:rPr lang="en-US" dirty="0"/>
+              <a:t> for input parsing, ensuring scalable, lightweight, and precise outputs. The plan emphasizes the cost-effectiveness of APIs and the inadequacy of current open-source LLMs, except LLaMA3, for tool integration. The focus is on achieving stable, well-structured outputs using formatting instructions like </a:t>
+            </a:r>
+            <a:r>
+              <a:rPr lang="en-US" dirty="0" err="1"/>
+              <a:t>Pydantic</a:t>
+            </a:r>
+            <a:r>
+              <a:rPr lang="en-US" dirty="0"/>
+              <a:t>.</a:t>
+            </a:r>
+          </a:p>
+        </p:txBody>
+      </p:sp>
+      <p:pic>
+        <p:nvPicPr>
+          <p:cNvPr id="6" name="Picture 5" descr="A diagram of a system">
+            <a:extLst>
+              <a:ext uri="{FF2B5EF4-FFF2-40B4-BE49-F238E27FC236}">
+                <a16:creationId xmlns:a16="http://schemas.microsoft.com/office/drawing/2014/main" id="{08739080-1DD5-1C58-E05A-DC88F78BACCB}"/>
+              </a:ext>
+            </a:extLst>
+          </p:cNvPr>
+          <p:cNvPicPr>
+            <a:picLocks noChangeAspect="1"/>
+          </p:cNvPicPr>
+          <p:nvPr/>
+        </p:nvPicPr>
+        <p:blipFill rotWithShape="1">
+          <a:blip r:embed="rId3"/>
+          <a:srcRect t="14391" r="1388" b="2504"/>
+          <a:stretch/>
+        </p:blipFill>
+        <p:spPr>
+          <a:xfrm>
+            <a:off x="5868926" y="2075980"/>
+            <a:ext cx="2923072" cy="2809270"/>
+          </a:xfrm>
+          <a:prstGeom prst="rect">
+            <a:avLst/>
+          </a:prstGeom>
+        </p:spPr>
+      </p:pic>
     </p:spTree>
     <p:extLst>
       <p:ext uri="{BB962C8B-B14F-4D97-AF65-F5344CB8AC3E}">
@@ -37786,1865 +38021,6 @@
 </file>
 
 <file path=ppt/slides/slide7.xml><?xml version="1.0" encoding="utf-8"?>
-<p:sld xmlns:a="http://schemas.openxmlformats.org/drawingml/2006/main" xmlns:r="http://schemas.openxmlformats.org/officeDocument/2006/relationships" xmlns:p="http://schemas.openxmlformats.org/presentationml/2006/main">
-  <p:cSld>
-    <p:spTree>
-      <p:nvGrpSpPr>
-        <p:cNvPr id="1" name="Shape 397"/>
-        <p:cNvGrpSpPr/>
-        <p:nvPr/>
-      </p:nvGrpSpPr>
-      <p:grpSpPr>
-        <a:xfrm>
-          <a:off x="0" y="0"/>
-          <a:ext cx="0" cy="0"/>
-          <a:chOff x="0" y="0"/>
-          <a:chExt cx="0" cy="0"/>
-        </a:xfrm>
-      </p:grpSpPr>
-      <p:sp>
-        <p:nvSpPr>
-          <p:cNvPr id="398" name="Google Shape;398;p32"/>
-          <p:cNvSpPr txBox="1">
-            <a:spLocks noGrp="1"/>
-          </p:cNvSpPr>
-          <p:nvPr>
-            <p:ph type="title"/>
-          </p:nvPr>
-        </p:nvSpPr>
-        <p:spPr>
-          <a:xfrm>
-            <a:off x="713100" y="1244700"/>
-            <a:ext cx="5135400" cy="605400"/>
-          </a:xfrm>
-          <a:prstGeom prst="rect">
-            <a:avLst/>
-          </a:prstGeom>
-        </p:spPr>
-        <p:txBody>
-          <a:bodyPr spcFirstLastPara="1" wrap="square" lIns="91425" tIns="91425" rIns="91425" bIns="91425" anchor="b" anchorCtr="0">
-            <a:noAutofit/>
-          </a:bodyPr>
-          <a:lstStyle/>
-          <a:p>
-            <a:pPr marL="0" lvl="0" indent="0" algn="l" rtl="0">
-              <a:spcBef>
-                <a:spcPts val="0"/>
-              </a:spcBef>
-              <a:spcAft>
-                <a:spcPts val="0"/>
-              </a:spcAft>
-              <a:buNone/>
-            </a:pPr>
-            <a:r>
-              <a:rPr lang="en-US" dirty="0"/>
-              <a:t>The System</a:t>
-            </a:r>
-          </a:p>
-        </p:txBody>
-      </p:sp>
-      <p:sp>
-        <p:nvSpPr>
-          <p:cNvPr id="399" name="Google Shape;399;p32"/>
-          <p:cNvSpPr txBox="1">
-            <a:spLocks noGrp="1"/>
-          </p:cNvSpPr>
-          <p:nvPr>
-            <p:ph type="body" idx="1"/>
-          </p:nvPr>
-        </p:nvSpPr>
-        <p:spPr>
-          <a:xfrm>
-            <a:off x="713100" y="1850100"/>
-            <a:ext cx="5135400" cy="2048700"/>
-          </a:xfrm>
-          <a:prstGeom prst="rect">
-            <a:avLst/>
-          </a:prstGeom>
-        </p:spPr>
-        <p:txBody>
-          <a:bodyPr spcFirstLastPara="1" wrap="square" lIns="91425" tIns="91425" rIns="91425" bIns="91425" anchor="t" anchorCtr="0">
-            <a:noAutofit/>
-          </a:bodyPr>
-          <a:lstStyle/>
-          <a:p>
-            <a:pPr marL="0" lvl="0" indent="0" algn="l" rtl="0">
-              <a:spcBef>
-                <a:spcPts val="0"/>
-              </a:spcBef>
-              <a:spcAft>
-                <a:spcPts val="0"/>
-              </a:spcAft>
-              <a:buNone/>
-            </a:pPr>
-            <a:r>
-              <a:rPr lang="en">
-                <a:solidFill>
-                  <a:schemeClr val="dk1"/>
-                </a:solidFill>
-              </a:rPr>
-              <a:t>A pitch deck is a short presentation that entrepreneurs use to describe their business and present it to potential investors. It usually consists of about 10 slides that provide:</a:t>
-            </a:r>
-            <a:endParaRPr>
-              <a:solidFill>
-                <a:schemeClr val="dk1"/>
-              </a:solidFill>
-            </a:endParaRPr>
-          </a:p>
-          <a:p>
-            <a:pPr marL="457200" lvl="0" indent="-317500" algn="l" rtl="0">
-              <a:spcBef>
-                <a:spcPts val="1000"/>
-              </a:spcBef>
-              <a:spcAft>
-                <a:spcPts val="0"/>
-              </a:spcAft>
-              <a:buSzPts val="1400"/>
-              <a:buChar char="●"/>
-            </a:pPr>
-            <a:r>
-              <a:rPr lang="en">
-                <a:solidFill>
-                  <a:schemeClr val="dk1"/>
-                </a:solidFill>
-              </a:rPr>
-              <a:t>An overview of the company's mission, product and service</a:t>
-            </a:r>
-            <a:endParaRPr>
-              <a:solidFill>
-                <a:schemeClr val="dk1"/>
-              </a:solidFill>
-            </a:endParaRPr>
-          </a:p>
-          <a:p>
-            <a:pPr marL="457200" lvl="0" indent="-317500" algn="l" rtl="0">
-              <a:spcBef>
-                <a:spcPts val="0"/>
-              </a:spcBef>
-              <a:spcAft>
-                <a:spcPts val="0"/>
-              </a:spcAft>
-              <a:buSzPts val="1400"/>
-              <a:buChar char="●"/>
-            </a:pPr>
-            <a:r>
-              <a:rPr lang="en">
-                <a:solidFill>
-                  <a:schemeClr val="dk1"/>
-                </a:solidFill>
-              </a:rPr>
-              <a:t>Market opportunity</a:t>
-            </a:r>
-            <a:endParaRPr>
-              <a:solidFill>
-                <a:schemeClr val="dk1"/>
-              </a:solidFill>
-            </a:endParaRPr>
-          </a:p>
-          <a:p>
-            <a:pPr marL="457200" lvl="0" indent="-317500" algn="l" rtl="0">
-              <a:spcBef>
-                <a:spcPts val="0"/>
-              </a:spcBef>
-              <a:spcAft>
-                <a:spcPts val="0"/>
-              </a:spcAft>
-              <a:buSzPts val="1400"/>
-              <a:buChar char="●"/>
-            </a:pPr>
-            <a:r>
-              <a:rPr lang="en">
-                <a:solidFill>
-                  <a:schemeClr val="dk1"/>
-                </a:solidFill>
-              </a:rPr>
-              <a:t>Team, financials, etc.</a:t>
-            </a:r>
-            <a:endParaRPr>
-              <a:solidFill>
-                <a:schemeClr val="dk1"/>
-              </a:solidFill>
-            </a:endParaRPr>
-          </a:p>
-          <a:p>
-            <a:pPr marL="0" lvl="0" indent="0" algn="l" rtl="0">
-              <a:spcBef>
-                <a:spcPts val="1000"/>
-              </a:spcBef>
-              <a:spcAft>
-                <a:spcPts val="0"/>
-              </a:spcAft>
-              <a:buNone/>
-            </a:pPr>
-            <a:r>
-              <a:rPr lang="en">
-                <a:solidFill>
-                  <a:schemeClr val="dk1"/>
-                </a:solidFill>
-              </a:rPr>
-              <a:t>The goal is to garner enough interest from investors so that they are motivated to invest in the business</a:t>
-            </a:r>
-            <a:endParaRPr>
-              <a:solidFill>
-                <a:schemeClr val="dk1"/>
-              </a:solidFill>
-            </a:endParaRPr>
-          </a:p>
-        </p:txBody>
-      </p:sp>
-      <p:grpSp>
-        <p:nvGrpSpPr>
-          <p:cNvPr id="400" name="Google Shape;400;p32"/>
-          <p:cNvGrpSpPr/>
-          <p:nvPr/>
-        </p:nvGrpSpPr>
-        <p:grpSpPr>
-          <a:xfrm>
-            <a:off x="5710513" y="569504"/>
-            <a:ext cx="3877481" cy="4090276"/>
-            <a:chOff x="5710513" y="569504"/>
-            <a:chExt cx="3877481" cy="4090276"/>
-          </a:xfrm>
-        </p:grpSpPr>
-        <p:sp>
-          <p:nvSpPr>
-            <p:cNvPr id="401" name="Google Shape;401;p32"/>
-            <p:cNvSpPr/>
-            <p:nvPr/>
-          </p:nvSpPr>
-          <p:spPr>
-            <a:xfrm rot="2062716">
-              <a:off x="7347458" y="1325451"/>
-              <a:ext cx="1985541" cy="1517391"/>
-            </a:xfrm>
-            <a:custGeom>
-              <a:avLst/>
-              <a:gdLst/>
-              <a:ahLst/>
-              <a:cxnLst/>
-              <a:rect l="l" t="t" r="r" b="b"/>
-              <a:pathLst>
-                <a:path w="17932" h="13704" extrusionOk="0">
-                  <a:moveTo>
-                    <a:pt x="14568" y="536"/>
-                  </a:moveTo>
-                  <a:cubicBezTo>
-                    <a:pt x="14568" y="536"/>
-                    <a:pt x="13302" y="759"/>
-                    <a:pt x="12204" y="1687"/>
-                  </a:cubicBezTo>
-                  <a:lnTo>
-                    <a:pt x="12204" y="1687"/>
-                  </a:lnTo>
-                  <a:cubicBezTo>
-                    <a:pt x="12204" y="1687"/>
-                    <a:pt x="6272" y="4399"/>
-                    <a:pt x="5683" y="4470"/>
-                  </a:cubicBezTo>
-                  <a:lnTo>
-                    <a:pt x="5683" y="4470"/>
-                  </a:lnTo>
-                  <a:cubicBezTo>
-                    <a:pt x="5683" y="4470"/>
-                    <a:pt x="4684" y="4684"/>
-                    <a:pt x="4282" y="5532"/>
-                  </a:cubicBezTo>
-                  <a:lnTo>
-                    <a:pt x="4282" y="5532"/>
-                  </a:lnTo>
-                  <a:lnTo>
-                    <a:pt x="1936" y="8395"/>
-                  </a:lnTo>
-                  <a:cubicBezTo>
-                    <a:pt x="1936" y="8395"/>
-                    <a:pt x="1115" y="10465"/>
-                    <a:pt x="848" y="10715"/>
-                  </a:cubicBezTo>
-                  <a:lnTo>
-                    <a:pt x="848" y="10715"/>
-                  </a:lnTo>
-                  <a:lnTo>
-                    <a:pt x="0" y="12749"/>
-                  </a:lnTo>
-                  <a:cubicBezTo>
-                    <a:pt x="0" y="12749"/>
-                    <a:pt x="393" y="13703"/>
-                    <a:pt x="1490" y="12401"/>
-                  </a:cubicBezTo>
-                  <a:lnTo>
-                    <a:pt x="1490" y="12401"/>
-                  </a:lnTo>
-                  <a:cubicBezTo>
-                    <a:pt x="1490" y="12401"/>
-                    <a:pt x="2025" y="11776"/>
-                    <a:pt x="2097" y="11321"/>
-                  </a:cubicBezTo>
-                  <a:lnTo>
-                    <a:pt x="2097" y="11321"/>
-                  </a:lnTo>
-                  <a:cubicBezTo>
-                    <a:pt x="2356" y="11045"/>
-                    <a:pt x="2819" y="10795"/>
-                    <a:pt x="2864" y="10135"/>
-                  </a:cubicBezTo>
-                  <a:lnTo>
-                    <a:pt x="2864" y="10135"/>
-                  </a:lnTo>
-                  <a:cubicBezTo>
-                    <a:pt x="2864" y="10135"/>
-                    <a:pt x="2864" y="10135"/>
-                    <a:pt x="2864" y="10135"/>
-                  </a:cubicBezTo>
-                  <a:lnTo>
-                    <a:pt x="2864" y="10135"/>
-                  </a:lnTo>
-                  <a:cubicBezTo>
-                    <a:pt x="2864" y="10135"/>
-                    <a:pt x="3042" y="10028"/>
-                    <a:pt x="3301" y="9849"/>
-                  </a:cubicBezTo>
-                  <a:lnTo>
-                    <a:pt x="3301" y="9849"/>
-                  </a:lnTo>
-                  <a:cubicBezTo>
-                    <a:pt x="3881" y="9448"/>
-                    <a:pt x="4836" y="8699"/>
-                    <a:pt x="4952" y="8021"/>
-                  </a:cubicBezTo>
-                  <a:lnTo>
-                    <a:pt x="4952" y="8021"/>
-                  </a:lnTo>
-                  <a:cubicBezTo>
-                    <a:pt x="4952" y="8021"/>
-                    <a:pt x="4952" y="8021"/>
-                    <a:pt x="4952" y="8021"/>
-                  </a:cubicBezTo>
-                  <a:lnTo>
-                    <a:pt x="4952" y="8021"/>
-                  </a:lnTo>
-                  <a:cubicBezTo>
-                    <a:pt x="4952" y="8021"/>
-                    <a:pt x="6673" y="7619"/>
-                    <a:pt x="7414" y="7307"/>
-                  </a:cubicBezTo>
-                  <a:lnTo>
-                    <a:pt x="7414" y="7307"/>
-                  </a:lnTo>
-                  <a:cubicBezTo>
-                    <a:pt x="7414" y="7307"/>
-                    <a:pt x="8074" y="7628"/>
-                    <a:pt x="8493" y="7905"/>
-                  </a:cubicBezTo>
-                  <a:lnTo>
-                    <a:pt x="8493" y="7905"/>
-                  </a:lnTo>
-                  <a:lnTo>
-                    <a:pt x="8493" y="7905"/>
-                  </a:lnTo>
-                  <a:cubicBezTo>
-                    <a:pt x="8609" y="7985"/>
-                    <a:pt x="8707" y="8056"/>
-                    <a:pt x="8770" y="8119"/>
-                  </a:cubicBezTo>
-                  <a:lnTo>
-                    <a:pt x="8770" y="8119"/>
-                  </a:lnTo>
-                  <a:cubicBezTo>
-                    <a:pt x="8770" y="8119"/>
-                    <a:pt x="8431" y="8832"/>
-                    <a:pt x="7985" y="9162"/>
-                  </a:cubicBezTo>
-                  <a:lnTo>
-                    <a:pt x="7985" y="9162"/>
-                  </a:lnTo>
-                  <a:cubicBezTo>
-                    <a:pt x="7985" y="9162"/>
-                    <a:pt x="7128" y="10037"/>
-                    <a:pt x="6629" y="10608"/>
-                  </a:cubicBezTo>
-                  <a:lnTo>
-                    <a:pt x="6629" y="10608"/>
-                  </a:lnTo>
-                  <a:cubicBezTo>
-                    <a:pt x="6477" y="10777"/>
-                    <a:pt x="6352" y="10920"/>
-                    <a:pt x="6299" y="11009"/>
-                  </a:cubicBezTo>
-                  <a:lnTo>
-                    <a:pt x="6299" y="11009"/>
-                  </a:lnTo>
-                  <a:cubicBezTo>
-                    <a:pt x="6013" y="11419"/>
-                    <a:pt x="5603" y="11946"/>
-                    <a:pt x="6343" y="12561"/>
-                  </a:cubicBezTo>
-                  <a:lnTo>
-                    <a:pt x="6343" y="12561"/>
-                  </a:lnTo>
-                  <a:cubicBezTo>
-                    <a:pt x="6343" y="12561"/>
-                    <a:pt x="6504" y="12695"/>
-                    <a:pt x="6736" y="12740"/>
-                  </a:cubicBezTo>
-                  <a:lnTo>
-                    <a:pt x="6736" y="12740"/>
-                  </a:lnTo>
-                  <a:cubicBezTo>
-                    <a:pt x="6986" y="12784"/>
-                    <a:pt x="7316" y="12722"/>
-                    <a:pt x="7637" y="12329"/>
-                  </a:cubicBezTo>
-                  <a:lnTo>
-                    <a:pt x="7637" y="12329"/>
-                  </a:lnTo>
-                  <a:cubicBezTo>
-                    <a:pt x="7646" y="12312"/>
-                    <a:pt x="7664" y="12285"/>
-                    <a:pt x="7681" y="12267"/>
-                  </a:cubicBezTo>
-                  <a:lnTo>
-                    <a:pt x="7681" y="12267"/>
-                  </a:lnTo>
-                  <a:cubicBezTo>
-                    <a:pt x="7681" y="12267"/>
-                    <a:pt x="8921" y="11419"/>
-                    <a:pt x="9359" y="10492"/>
-                  </a:cubicBezTo>
-                  <a:lnTo>
-                    <a:pt x="9359" y="10492"/>
-                  </a:lnTo>
-                  <a:lnTo>
-                    <a:pt x="9956" y="9823"/>
-                  </a:lnTo>
-                  <a:lnTo>
-                    <a:pt x="11285" y="8975"/>
-                  </a:lnTo>
-                  <a:cubicBezTo>
-                    <a:pt x="11285" y="8975"/>
-                    <a:pt x="13712" y="7387"/>
-                    <a:pt x="13899" y="5246"/>
-                  </a:cubicBezTo>
-                  <a:lnTo>
-                    <a:pt x="13899" y="5246"/>
-                  </a:lnTo>
-                  <a:cubicBezTo>
-                    <a:pt x="13899" y="5246"/>
-                    <a:pt x="17004" y="3712"/>
-                    <a:pt x="17798" y="3863"/>
-                  </a:cubicBezTo>
-                  <a:lnTo>
-                    <a:pt x="17798" y="3863"/>
-                  </a:lnTo>
-                  <a:cubicBezTo>
-                    <a:pt x="17798" y="3863"/>
-                    <a:pt x="17932" y="1062"/>
-                    <a:pt x="16014" y="1"/>
-                  </a:cubicBezTo>
-                  <a:lnTo>
-                    <a:pt x="16014" y="1"/>
-                  </a:lnTo>
-                  <a:close/>
-                </a:path>
-              </a:pathLst>
-            </a:custGeom>
-            <a:gradFill>
-              <a:gsLst>
-                <a:gs pos="0">
-                  <a:schemeClr val="accent1"/>
-                </a:gs>
-                <a:gs pos="100000">
-                  <a:schemeClr val="dk2"/>
-                </a:gs>
-              </a:gsLst>
-              <a:lin ang="10800025" scaled="0"/>
-            </a:gradFill>
-            <a:ln>
-              <a:noFill/>
-            </a:ln>
-          </p:spPr>
-          <p:txBody>
-            <a:bodyPr spcFirstLastPara="1" wrap="square" lIns="91425" tIns="91425" rIns="91425" bIns="91425" anchor="ctr" anchorCtr="0">
-              <a:noAutofit/>
-            </a:bodyPr>
-            <a:lstStyle/>
-            <a:p>
-              <a:pPr marL="0" lvl="0" indent="0" algn="l" rtl="0">
-                <a:spcBef>
-                  <a:spcPts val="0"/>
-                </a:spcBef>
-                <a:spcAft>
-                  <a:spcPts val="0"/>
-                </a:spcAft>
-                <a:buNone/>
-              </a:pPr>
-              <a:endParaRPr/>
-            </a:p>
-          </p:txBody>
-        </p:sp>
-        <p:grpSp>
-          <p:nvGrpSpPr>
-            <p:cNvPr id="402" name="Google Shape;402;p32"/>
-            <p:cNvGrpSpPr/>
-            <p:nvPr/>
-          </p:nvGrpSpPr>
-          <p:grpSpPr>
-            <a:xfrm>
-              <a:off x="5710513" y="569504"/>
-              <a:ext cx="3877481" cy="4090276"/>
-              <a:chOff x="5410088" y="476042"/>
-              <a:chExt cx="3877481" cy="4090276"/>
-            </a:xfrm>
-          </p:grpSpPr>
-          <p:sp>
-            <p:nvSpPr>
-              <p:cNvPr id="403" name="Google Shape;403;p32"/>
-              <p:cNvSpPr/>
-              <p:nvPr/>
-            </p:nvSpPr>
-            <p:spPr>
-              <a:xfrm>
-                <a:off x="5728780" y="2240518"/>
-                <a:ext cx="468769" cy="468795"/>
-              </a:xfrm>
-              <a:custGeom>
-                <a:avLst/>
-                <a:gdLst/>
-                <a:ahLst/>
-                <a:cxnLst/>
-                <a:rect l="l" t="t" r="r" b="b"/>
-                <a:pathLst>
-                  <a:path w="4809" h="4810" extrusionOk="0">
-                    <a:moveTo>
-                      <a:pt x="4345" y="1571"/>
-                    </a:moveTo>
-                    <a:cubicBezTo>
-                      <a:pt x="4809" y="2641"/>
-                      <a:pt x="4309" y="3890"/>
-                      <a:pt x="3239" y="4345"/>
-                    </a:cubicBezTo>
-                    <a:cubicBezTo>
-                      <a:pt x="2168" y="4809"/>
-                      <a:pt x="919" y="4319"/>
-                      <a:pt x="464" y="3248"/>
-                    </a:cubicBezTo>
-                    <a:cubicBezTo>
-                      <a:pt x="0" y="2169"/>
-                      <a:pt x="491" y="929"/>
-                      <a:pt x="1571" y="465"/>
-                    </a:cubicBezTo>
-                    <a:cubicBezTo>
-                      <a:pt x="2641" y="1"/>
-                      <a:pt x="3881" y="500"/>
-                      <a:pt x="4345" y="1571"/>
-                    </a:cubicBezTo>
-                  </a:path>
-                </a:pathLst>
-              </a:custGeom>
-              <a:gradFill>
-                <a:gsLst>
-                  <a:gs pos="0">
-                    <a:schemeClr val="dk2"/>
-                  </a:gs>
-                  <a:gs pos="57000">
-                    <a:srgbClr val="FFFFFF">
-                      <a:alpha val="0"/>
-                    </a:srgbClr>
-                  </a:gs>
-                  <a:gs pos="100000">
-                    <a:srgbClr val="FFFFFF">
-                      <a:alpha val="0"/>
-                    </a:srgbClr>
-                  </a:gs>
-                </a:gsLst>
-                <a:path path="circle">
-                  <a:fillToRect l="50000" t="50000" r="50000" b="50000"/>
-                </a:path>
-                <a:tileRect/>
-              </a:gradFill>
-              <a:ln>
-                <a:noFill/>
-              </a:ln>
-            </p:spPr>
-            <p:txBody>
-              <a:bodyPr spcFirstLastPara="1" wrap="square" lIns="91425" tIns="91425" rIns="91425" bIns="91425" anchor="ctr" anchorCtr="0">
-                <a:noAutofit/>
-              </a:bodyPr>
-              <a:lstStyle/>
-              <a:p>
-                <a:pPr marL="0" lvl="0" indent="0" algn="l" rtl="0">
-                  <a:spcBef>
-                    <a:spcPts val="0"/>
-                  </a:spcBef>
-                  <a:spcAft>
-                    <a:spcPts val="0"/>
-                  </a:spcAft>
-                  <a:buNone/>
-                </a:pPr>
-                <a:endParaRPr/>
-              </a:p>
-            </p:txBody>
-          </p:sp>
-          <p:sp>
-            <p:nvSpPr>
-              <p:cNvPr id="404" name="Google Shape;404;p32"/>
-              <p:cNvSpPr/>
-              <p:nvPr/>
-            </p:nvSpPr>
-            <p:spPr>
-              <a:xfrm>
-                <a:off x="6197561" y="3366978"/>
-                <a:ext cx="327012" cy="327044"/>
-              </a:xfrm>
-              <a:custGeom>
-                <a:avLst/>
-                <a:gdLst/>
-                <a:ahLst/>
-                <a:cxnLst/>
-                <a:rect l="l" t="t" r="r" b="b"/>
-                <a:pathLst>
-                  <a:path w="4809" h="4810" extrusionOk="0">
-                    <a:moveTo>
-                      <a:pt x="4345" y="1571"/>
-                    </a:moveTo>
-                    <a:cubicBezTo>
-                      <a:pt x="4809" y="2641"/>
-                      <a:pt x="4309" y="3890"/>
-                      <a:pt x="3239" y="4345"/>
-                    </a:cubicBezTo>
-                    <a:cubicBezTo>
-                      <a:pt x="2168" y="4809"/>
-                      <a:pt x="919" y="4319"/>
-                      <a:pt x="464" y="3248"/>
-                    </a:cubicBezTo>
-                    <a:cubicBezTo>
-                      <a:pt x="0" y="2169"/>
-                      <a:pt x="491" y="929"/>
-                      <a:pt x="1571" y="465"/>
-                    </a:cubicBezTo>
-                    <a:cubicBezTo>
-                      <a:pt x="2641" y="1"/>
-                      <a:pt x="3881" y="500"/>
-                      <a:pt x="4345" y="1571"/>
-                    </a:cubicBezTo>
-                  </a:path>
-                </a:pathLst>
-              </a:custGeom>
-              <a:gradFill>
-                <a:gsLst>
-                  <a:gs pos="0">
-                    <a:schemeClr val="dk2"/>
-                  </a:gs>
-                  <a:gs pos="57000">
-                    <a:srgbClr val="FFFFFF">
-                      <a:alpha val="0"/>
-                    </a:srgbClr>
-                  </a:gs>
-                  <a:gs pos="100000">
-                    <a:srgbClr val="FFFFFF">
-                      <a:alpha val="0"/>
-                    </a:srgbClr>
-                  </a:gs>
-                </a:gsLst>
-                <a:path path="circle">
-                  <a:fillToRect l="50000" t="50000" r="50000" b="50000"/>
-                </a:path>
-                <a:tileRect/>
-              </a:gradFill>
-              <a:ln>
-                <a:noFill/>
-              </a:ln>
-            </p:spPr>
-            <p:txBody>
-              <a:bodyPr spcFirstLastPara="1" wrap="square" lIns="91425" tIns="91425" rIns="91425" bIns="91425" anchor="ctr" anchorCtr="0">
-                <a:noAutofit/>
-              </a:bodyPr>
-              <a:lstStyle/>
-              <a:p>
-                <a:pPr marL="0" lvl="0" indent="0" algn="l" rtl="0">
-                  <a:spcBef>
-                    <a:spcPts val="0"/>
-                  </a:spcBef>
-                  <a:spcAft>
-                    <a:spcPts val="0"/>
-                  </a:spcAft>
-                  <a:buNone/>
-                </a:pPr>
-                <a:endParaRPr/>
-              </a:p>
-            </p:txBody>
-          </p:sp>
-          <p:sp>
-            <p:nvSpPr>
-              <p:cNvPr id="405" name="Google Shape;405;p32"/>
-              <p:cNvSpPr/>
-              <p:nvPr/>
-            </p:nvSpPr>
-            <p:spPr>
-              <a:xfrm>
-                <a:off x="5531598" y="1066378"/>
-                <a:ext cx="327012" cy="327044"/>
-              </a:xfrm>
-              <a:custGeom>
-                <a:avLst/>
-                <a:gdLst/>
-                <a:ahLst/>
-                <a:cxnLst/>
-                <a:rect l="l" t="t" r="r" b="b"/>
-                <a:pathLst>
-                  <a:path w="4809" h="4810" extrusionOk="0">
-                    <a:moveTo>
-                      <a:pt x="4345" y="1571"/>
-                    </a:moveTo>
-                    <a:cubicBezTo>
-                      <a:pt x="4809" y="2641"/>
-                      <a:pt x="4309" y="3890"/>
-                      <a:pt x="3239" y="4345"/>
-                    </a:cubicBezTo>
-                    <a:cubicBezTo>
-                      <a:pt x="2168" y="4809"/>
-                      <a:pt x="919" y="4319"/>
-                      <a:pt x="464" y="3248"/>
-                    </a:cubicBezTo>
-                    <a:cubicBezTo>
-                      <a:pt x="0" y="2169"/>
-                      <a:pt x="491" y="929"/>
-                      <a:pt x="1571" y="465"/>
-                    </a:cubicBezTo>
-                    <a:cubicBezTo>
-                      <a:pt x="2641" y="1"/>
-                      <a:pt x="3881" y="500"/>
-                      <a:pt x="4345" y="1571"/>
-                    </a:cubicBezTo>
-                  </a:path>
-                </a:pathLst>
-              </a:custGeom>
-              <a:gradFill>
-                <a:gsLst>
-                  <a:gs pos="0">
-                    <a:schemeClr val="dk2"/>
-                  </a:gs>
-                  <a:gs pos="57000">
-                    <a:srgbClr val="FFFFFF">
-                      <a:alpha val="0"/>
-                    </a:srgbClr>
-                  </a:gs>
-                  <a:gs pos="100000">
-                    <a:srgbClr val="FFFFFF">
-                      <a:alpha val="0"/>
-                    </a:srgbClr>
-                  </a:gs>
-                </a:gsLst>
-                <a:path path="circle">
-                  <a:fillToRect l="50000" t="50000" r="50000" b="50000"/>
-                </a:path>
-                <a:tileRect/>
-              </a:gradFill>
-              <a:ln>
-                <a:noFill/>
-              </a:ln>
-            </p:spPr>
-            <p:txBody>
-              <a:bodyPr spcFirstLastPara="1" wrap="square" lIns="91425" tIns="91425" rIns="91425" bIns="91425" anchor="ctr" anchorCtr="0">
-                <a:noAutofit/>
-              </a:bodyPr>
-              <a:lstStyle/>
-              <a:p>
-                <a:pPr marL="0" lvl="0" indent="0" algn="l" rtl="0">
-                  <a:spcBef>
-                    <a:spcPts val="0"/>
-                  </a:spcBef>
-                  <a:spcAft>
-                    <a:spcPts val="0"/>
-                  </a:spcAft>
-                  <a:buNone/>
-                </a:pPr>
-                <a:endParaRPr/>
-              </a:p>
-            </p:txBody>
-          </p:sp>
-          <p:sp>
-            <p:nvSpPr>
-              <p:cNvPr id="406" name="Google Shape;406;p32"/>
-              <p:cNvSpPr/>
-              <p:nvPr/>
-            </p:nvSpPr>
-            <p:spPr>
-              <a:xfrm>
-                <a:off x="8080630" y="2806168"/>
-                <a:ext cx="468769" cy="468795"/>
-              </a:xfrm>
-              <a:custGeom>
-                <a:avLst/>
-                <a:gdLst/>
-                <a:ahLst/>
-                <a:cxnLst/>
-                <a:rect l="l" t="t" r="r" b="b"/>
-                <a:pathLst>
-                  <a:path w="4809" h="4810" extrusionOk="0">
-                    <a:moveTo>
-                      <a:pt x="4345" y="1571"/>
-                    </a:moveTo>
-                    <a:cubicBezTo>
-                      <a:pt x="4809" y="2641"/>
-                      <a:pt x="4309" y="3890"/>
-                      <a:pt x="3239" y="4345"/>
-                    </a:cubicBezTo>
-                    <a:cubicBezTo>
-                      <a:pt x="2168" y="4809"/>
-                      <a:pt x="919" y="4319"/>
-                      <a:pt x="464" y="3248"/>
-                    </a:cubicBezTo>
-                    <a:cubicBezTo>
-                      <a:pt x="0" y="2169"/>
-                      <a:pt x="491" y="929"/>
-                      <a:pt x="1571" y="465"/>
-                    </a:cubicBezTo>
-                    <a:cubicBezTo>
-                      <a:pt x="2641" y="1"/>
-                      <a:pt x="3881" y="500"/>
-                      <a:pt x="4345" y="1571"/>
-                    </a:cubicBezTo>
-                  </a:path>
-                </a:pathLst>
-              </a:custGeom>
-              <a:gradFill>
-                <a:gsLst>
-                  <a:gs pos="0">
-                    <a:schemeClr val="dk2"/>
-                  </a:gs>
-                  <a:gs pos="57000">
-                    <a:srgbClr val="FFFFFF">
-                      <a:alpha val="0"/>
-                    </a:srgbClr>
-                  </a:gs>
-                  <a:gs pos="100000">
-                    <a:srgbClr val="FFFFFF">
-                      <a:alpha val="0"/>
-                    </a:srgbClr>
-                  </a:gs>
-                </a:gsLst>
-                <a:path path="circle">
-                  <a:fillToRect l="50000" t="50000" r="50000" b="50000"/>
-                </a:path>
-                <a:tileRect/>
-              </a:gradFill>
-              <a:ln>
-                <a:noFill/>
-              </a:ln>
-            </p:spPr>
-            <p:txBody>
-              <a:bodyPr spcFirstLastPara="1" wrap="square" lIns="91425" tIns="91425" rIns="91425" bIns="91425" anchor="ctr" anchorCtr="0">
-                <a:noAutofit/>
-              </a:bodyPr>
-              <a:lstStyle/>
-              <a:p>
-                <a:pPr marL="0" lvl="0" indent="0" algn="l" rtl="0">
-                  <a:spcBef>
-                    <a:spcPts val="0"/>
-                  </a:spcBef>
-                  <a:spcAft>
-                    <a:spcPts val="0"/>
-                  </a:spcAft>
-                  <a:buNone/>
-                </a:pPr>
-                <a:endParaRPr/>
-              </a:p>
-            </p:txBody>
-          </p:sp>
-          <p:grpSp>
-            <p:nvGrpSpPr>
-              <p:cNvPr id="407" name="Google Shape;407;p32"/>
-              <p:cNvGrpSpPr/>
-              <p:nvPr/>
-            </p:nvGrpSpPr>
-            <p:grpSpPr>
-              <a:xfrm rot="2902359" flipH="1">
-                <a:off x="5578694" y="1544629"/>
-                <a:ext cx="3540270" cy="2041175"/>
-                <a:chOff x="503897" y="1148626"/>
-                <a:chExt cx="3540180" cy="2041124"/>
-              </a:xfrm>
-            </p:grpSpPr>
-            <p:sp>
-              <p:nvSpPr>
-                <p:cNvPr id="408" name="Google Shape;408;p32"/>
-                <p:cNvSpPr/>
-                <p:nvPr/>
-              </p:nvSpPr>
-              <p:spPr>
-                <a:xfrm>
-                  <a:off x="2003209" y="1148626"/>
-                  <a:ext cx="2040867" cy="2041124"/>
-                </a:xfrm>
-                <a:custGeom>
-                  <a:avLst/>
-                  <a:gdLst/>
-                  <a:ahLst/>
-                  <a:cxnLst/>
-                  <a:rect l="l" t="t" r="r" b="b"/>
-                  <a:pathLst>
-                    <a:path w="4809" h="4810" extrusionOk="0">
-                      <a:moveTo>
-                        <a:pt x="4345" y="1571"/>
-                      </a:moveTo>
-                      <a:cubicBezTo>
-                        <a:pt x="4809" y="2641"/>
-                        <a:pt x="4309" y="3890"/>
-                        <a:pt x="3239" y="4345"/>
-                      </a:cubicBezTo>
-                      <a:cubicBezTo>
-                        <a:pt x="2168" y="4809"/>
-                        <a:pt x="919" y="4319"/>
-                        <a:pt x="464" y="3248"/>
-                      </a:cubicBezTo>
-                      <a:cubicBezTo>
-                        <a:pt x="0" y="2169"/>
-                        <a:pt x="491" y="929"/>
-                        <a:pt x="1571" y="465"/>
-                      </a:cubicBezTo>
-                      <a:cubicBezTo>
-                        <a:pt x="2641" y="1"/>
-                        <a:pt x="3881" y="500"/>
-                        <a:pt x="4345" y="1571"/>
-                      </a:cubicBezTo>
-                    </a:path>
-                  </a:pathLst>
-                </a:custGeom>
-                <a:gradFill>
-                  <a:gsLst>
-                    <a:gs pos="0">
-                      <a:srgbClr val="B47FFF">
-                        <a:alpha val="50196"/>
-                      </a:srgbClr>
-                    </a:gs>
-                    <a:gs pos="69000">
-                      <a:srgbClr val="FFFFFF">
-                        <a:alpha val="0"/>
-                      </a:srgbClr>
-                    </a:gs>
-                    <a:gs pos="100000">
-                      <a:srgbClr val="FFFFFF">
-                        <a:alpha val="0"/>
-                      </a:srgbClr>
-                    </a:gs>
-                  </a:gsLst>
-                  <a:path path="circle">
-                    <a:fillToRect l="50000" t="50000" r="50000" b="50000"/>
-                  </a:path>
-                  <a:tileRect/>
-                </a:gradFill>
-                <a:ln>
-                  <a:noFill/>
-                </a:ln>
-              </p:spPr>
-              <p:txBody>
-                <a:bodyPr spcFirstLastPara="1" wrap="square" lIns="91425" tIns="91425" rIns="91425" bIns="91425" anchor="ctr" anchorCtr="0">
-                  <a:noAutofit/>
-                </a:bodyPr>
-                <a:lstStyle/>
-                <a:p>
-                  <a:pPr marL="0" lvl="0" indent="0" algn="l" rtl="0">
-                    <a:spcBef>
-                      <a:spcPts val="0"/>
-                    </a:spcBef>
-                    <a:spcAft>
-                      <a:spcPts val="0"/>
-                    </a:spcAft>
-                    <a:buNone/>
-                  </a:pPr>
-                  <a:endParaRPr/>
-                </a:p>
-              </p:txBody>
-            </p:sp>
-            <p:sp>
-              <p:nvSpPr>
-                <p:cNvPr id="409" name="Google Shape;409;p32"/>
-                <p:cNvSpPr/>
-                <p:nvPr/>
-              </p:nvSpPr>
-              <p:spPr>
-                <a:xfrm>
-                  <a:off x="503897" y="2053971"/>
-                  <a:ext cx="2497728" cy="956928"/>
-                </a:xfrm>
-                <a:custGeom>
-                  <a:avLst/>
-                  <a:gdLst/>
-                  <a:ahLst/>
-                  <a:cxnLst/>
-                  <a:rect l="l" t="t" r="r" b="b"/>
-                  <a:pathLst>
-                    <a:path w="19075" h="7308" extrusionOk="0">
-                      <a:moveTo>
-                        <a:pt x="9841" y="1"/>
-                      </a:moveTo>
-                      <a:cubicBezTo>
-                        <a:pt x="9198" y="90"/>
-                        <a:pt x="4113" y="2570"/>
-                        <a:pt x="4113" y="2570"/>
-                      </a:cubicBezTo>
-                      <a:lnTo>
-                        <a:pt x="4113" y="2570"/>
-                      </a:lnTo>
-                      <a:cubicBezTo>
-                        <a:pt x="2909" y="2971"/>
-                        <a:pt x="2775" y="2873"/>
-                        <a:pt x="1473" y="3150"/>
-                      </a:cubicBezTo>
-                      <a:lnTo>
-                        <a:pt x="1473" y="3150"/>
-                      </a:lnTo>
-                      <a:cubicBezTo>
-                        <a:pt x="1" y="3471"/>
-                        <a:pt x="1901" y="7031"/>
-                        <a:pt x="1901" y="7031"/>
-                      </a:cubicBezTo>
-                      <a:lnTo>
-                        <a:pt x="1901" y="7031"/>
-                      </a:lnTo>
-                      <a:cubicBezTo>
-                        <a:pt x="3489" y="6014"/>
-                        <a:pt x="4738" y="6317"/>
-                        <a:pt x="4738" y="6317"/>
-                      </a:cubicBezTo>
-                      <a:lnTo>
-                        <a:pt x="4738" y="6317"/>
-                      </a:lnTo>
-                      <a:cubicBezTo>
-                        <a:pt x="7503" y="7307"/>
-                        <a:pt x="9573" y="6460"/>
-                        <a:pt x="9573" y="6460"/>
-                      </a:cubicBezTo>
-                      <a:lnTo>
-                        <a:pt x="9573" y="6460"/>
-                      </a:lnTo>
-                      <a:cubicBezTo>
-                        <a:pt x="9573" y="6460"/>
-                        <a:pt x="11268" y="6326"/>
-                        <a:pt x="11928" y="6254"/>
-                      </a:cubicBezTo>
-                      <a:lnTo>
-                        <a:pt x="11928" y="6254"/>
-                      </a:lnTo>
-                      <a:cubicBezTo>
-                        <a:pt x="12151" y="6237"/>
-                        <a:pt x="12455" y="6263"/>
-                        <a:pt x="12811" y="6299"/>
-                      </a:cubicBezTo>
-                      <a:lnTo>
-                        <a:pt x="12811" y="6299"/>
-                      </a:lnTo>
-                      <a:cubicBezTo>
-                        <a:pt x="13498" y="6353"/>
-                        <a:pt x="14346" y="6415"/>
-                        <a:pt x="15069" y="6085"/>
-                      </a:cubicBezTo>
-                      <a:lnTo>
-                        <a:pt x="15069" y="6085"/>
-                      </a:lnTo>
-                      <a:cubicBezTo>
-                        <a:pt x="15077" y="6076"/>
-                        <a:pt x="15077" y="6076"/>
-                        <a:pt x="15086" y="6076"/>
-                      </a:cubicBezTo>
-                      <a:lnTo>
-                        <a:pt x="15086" y="6076"/>
-                      </a:lnTo>
-                      <a:cubicBezTo>
-                        <a:pt x="15122" y="6058"/>
-                        <a:pt x="15158" y="6040"/>
-                        <a:pt x="15184" y="6014"/>
-                      </a:cubicBezTo>
-                      <a:lnTo>
-                        <a:pt x="15184" y="6014"/>
-                      </a:lnTo>
-                      <a:cubicBezTo>
-                        <a:pt x="15577" y="5960"/>
-                        <a:pt x="15568" y="5532"/>
-                        <a:pt x="15497" y="5291"/>
-                      </a:cubicBezTo>
-                      <a:lnTo>
-                        <a:pt x="15497" y="5291"/>
-                      </a:lnTo>
-                      <a:cubicBezTo>
-                        <a:pt x="15461" y="5166"/>
-                        <a:pt x="15283" y="5050"/>
-                        <a:pt x="15158" y="4988"/>
-                      </a:cubicBezTo>
-                      <a:lnTo>
-                        <a:pt x="15158" y="4988"/>
-                      </a:lnTo>
-                      <a:cubicBezTo>
-                        <a:pt x="15149" y="4988"/>
-                        <a:pt x="15149" y="4988"/>
-                        <a:pt x="15149" y="4988"/>
-                      </a:cubicBezTo>
-                      <a:lnTo>
-                        <a:pt x="15149" y="4988"/>
-                      </a:lnTo>
-                      <a:cubicBezTo>
-                        <a:pt x="14783" y="4604"/>
-                        <a:pt x="13650" y="4524"/>
-                        <a:pt x="13088" y="4506"/>
-                      </a:cubicBezTo>
-                      <a:lnTo>
-                        <a:pt x="13088" y="4506"/>
-                      </a:lnTo>
-                      <a:cubicBezTo>
-                        <a:pt x="12901" y="4506"/>
-                        <a:pt x="12776" y="4506"/>
-                        <a:pt x="12776" y="4506"/>
-                      </a:cubicBezTo>
-                      <a:lnTo>
-                        <a:pt x="12776" y="4506"/>
-                      </a:lnTo>
-                      <a:cubicBezTo>
-                        <a:pt x="10153" y="4658"/>
-                        <a:pt x="10215" y="4417"/>
-                        <a:pt x="10215" y="4417"/>
-                      </a:cubicBezTo>
-                      <a:lnTo>
-                        <a:pt x="10215" y="4417"/>
-                      </a:lnTo>
-                      <a:cubicBezTo>
-                        <a:pt x="10421" y="4176"/>
-                        <a:pt x="10153" y="3641"/>
-                        <a:pt x="10153" y="3641"/>
-                      </a:cubicBezTo>
-                      <a:lnTo>
-                        <a:pt x="10153" y="3641"/>
-                      </a:lnTo>
-                      <a:cubicBezTo>
-                        <a:pt x="10189" y="3623"/>
-                        <a:pt x="10251" y="3560"/>
-                        <a:pt x="10251" y="3560"/>
-                      </a:cubicBezTo>
-                      <a:lnTo>
-                        <a:pt x="10251" y="3560"/>
-                      </a:lnTo>
-                      <a:cubicBezTo>
-                        <a:pt x="10572" y="3712"/>
-                        <a:pt x="10831" y="3596"/>
-                        <a:pt x="11001" y="3462"/>
-                      </a:cubicBezTo>
-                      <a:lnTo>
-                        <a:pt x="11001" y="3462"/>
-                      </a:lnTo>
-                      <a:cubicBezTo>
-                        <a:pt x="11152" y="3328"/>
-                        <a:pt x="11232" y="3177"/>
-                        <a:pt x="11232" y="3177"/>
-                      </a:cubicBezTo>
-                      <a:lnTo>
-                        <a:pt x="11232" y="3177"/>
-                      </a:lnTo>
-                      <a:cubicBezTo>
-                        <a:pt x="11830" y="3284"/>
-                        <a:pt x="12580" y="1954"/>
-                        <a:pt x="12580" y="1954"/>
-                      </a:cubicBezTo>
-                      <a:lnTo>
-                        <a:pt x="12580" y="1954"/>
-                      </a:lnTo>
-                      <a:cubicBezTo>
-                        <a:pt x="13525" y="2008"/>
-                        <a:pt x="14382" y="1491"/>
-                        <a:pt x="14382" y="1491"/>
-                      </a:cubicBezTo>
-                      <a:lnTo>
-                        <a:pt x="14382" y="1491"/>
-                      </a:lnTo>
-                      <a:cubicBezTo>
-                        <a:pt x="14542" y="1660"/>
-                        <a:pt x="14926" y="1696"/>
-                        <a:pt x="15149" y="1687"/>
-                      </a:cubicBezTo>
-                      <a:lnTo>
-                        <a:pt x="15149" y="1687"/>
-                      </a:lnTo>
-                      <a:cubicBezTo>
-                        <a:pt x="15247" y="1696"/>
-                        <a:pt x="15318" y="1687"/>
-                        <a:pt x="15318" y="1687"/>
-                      </a:cubicBezTo>
-                      <a:lnTo>
-                        <a:pt x="15318" y="1687"/>
-                      </a:lnTo>
-                      <a:cubicBezTo>
-                        <a:pt x="15318" y="1687"/>
-                        <a:pt x="17495" y="1901"/>
-                        <a:pt x="17968" y="1910"/>
-                      </a:cubicBezTo>
-                      <a:lnTo>
-                        <a:pt x="17968" y="1910"/>
-                      </a:lnTo>
-                      <a:cubicBezTo>
-                        <a:pt x="18780" y="1919"/>
-                        <a:pt x="19074" y="1152"/>
-                        <a:pt x="19074" y="1152"/>
-                      </a:cubicBezTo>
-                      <a:lnTo>
-                        <a:pt x="19074" y="1152"/>
-                      </a:lnTo>
-                      <a:lnTo>
-                        <a:pt x="17807" y="866"/>
-                      </a:lnTo>
-                      <a:cubicBezTo>
-                        <a:pt x="17807" y="866"/>
-                        <a:pt x="15506" y="411"/>
-                        <a:pt x="15211" y="331"/>
-                      </a:cubicBezTo>
-                      <a:lnTo>
-                        <a:pt x="15211" y="331"/>
-                      </a:lnTo>
-                      <a:cubicBezTo>
-                        <a:pt x="14926" y="251"/>
-                        <a:pt x="14283" y="45"/>
-                        <a:pt x="13909" y="126"/>
-                      </a:cubicBezTo>
-                      <a:lnTo>
-                        <a:pt x="13909" y="126"/>
-                      </a:lnTo>
-                      <a:cubicBezTo>
-                        <a:pt x="13543" y="215"/>
-                        <a:pt x="11108" y="224"/>
-                        <a:pt x="11108" y="224"/>
-                      </a:cubicBezTo>
-                      <a:lnTo>
-                        <a:pt x="11108" y="224"/>
-                      </a:lnTo>
-                      <a:cubicBezTo>
-                        <a:pt x="10483" y="10"/>
-                        <a:pt x="9921" y="1"/>
-                        <a:pt x="9850" y="1"/>
-                      </a:cubicBezTo>
-                      <a:lnTo>
-                        <a:pt x="9850" y="1"/>
-                      </a:lnTo>
-                      <a:cubicBezTo>
-                        <a:pt x="9841" y="1"/>
-                        <a:pt x="9841" y="1"/>
-                        <a:pt x="9841" y="1"/>
-                      </a:cubicBezTo>
-                    </a:path>
-                  </a:pathLst>
-                </a:custGeom>
-                <a:gradFill>
-                  <a:gsLst>
-                    <a:gs pos="0">
-                      <a:schemeClr val="accent1"/>
-                    </a:gs>
-                    <a:gs pos="100000">
-                      <a:schemeClr val="dk2"/>
-                    </a:gs>
-                  </a:gsLst>
-                  <a:lin ang="0" scaled="0"/>
-                </a:gradFill>
-                <a:ln>
-                  <a:noFill/>
-                </a:ln>
-              </p:spPr>
-              <p:txBody>
-                <a:bodyPr spcFirstLastPara="1" wrap="square" lIns="91425" tIns="91425" rIns="91425" bIns="91425" anchor="ctr" anchorCtr="0">
-                  <a:noAutofit/>
-                </a:bodyPr>
-                <a:lstStyle/>
-                <a:p>
-                  <a:pPr marL="0" lvl="0" indent="0" algn="l" rtl="0">
-                    <a:spcBef>
-                      <a:spcPts val="0"/>
-                    </a:spcBef>
-                    <a:spcAft>
-                      <a:spcPts val="0"/>
-                    </a:spcAft>
-                    <a:buNone/>
-                  </a:pPr>
-                  <a:endParaRPr/>
-                </a:p>
-              </p:txBody>
-            </p:sp>
-            <p:sp>
-              <p:nvSpPr>
-                <p:cNvPr id="410" name="Google Shape;410;p32"/>
-                <p:cNvSpPr/>
-                <p:nvPr/>
-              </p:nvSpPr>
-              <p:spPr>
-                <a:xfrm>
-                  <a:off x="1944292" y="2249081"/>
-                  <a:ext cx="955618" cy="709185"/>
-                </a:xfrm>
-                <a:custGeom>
-                  <a:avLst/>
-                  <a:gdLst/>
-                  <a:ahLst/>
-                  <a:cxnLst/>
-                  <a:rect l="l" t="t" r="r" b="b"/>
-                  <a:pathLst>
-                    <a:path w="7298" h="5416" extrusionOk="0">
-                      <a:moveTo>
-                        <a:pt x="1580" y="464"/>
-                      </a:moveTo>
-                      <a:cubicBezTo>
-                        <a:pt x="1580" y="464"/>
-                        <a:pt x="830" y="1794"/>
-                        <a:pt x="232" y="1687"/>
-                      </a:cubicBezTo>
-                      <a:lnTo>
-                        <a:pt x="232" y="1687"/>
-                      </a:lnTo>
-                      <a:cubicBezTo>
-                        <a:pt x="232" y="1687"/>
-                        <a:pt x="152" y="1838"/>
-                        <a:pt x="1" y="1972"/>
-                      </a:cubicBezTo>
-                      <a:lnTo>
-                        <a:pt x="1" y="1972"/>
-                      </a:lnTo>
-                      <a:cubicBezTo>
-                        <a:pt x="286" y="2240"/>
-                        <a:pt x="1357" y="2374"/>
-                        <a:pt x="1357" y="2374"/>
-                      </a:cubicBezTo>
-                      <a:lnTo>
-                        <a:pt x="1357" y="2374"/>
-                      </a:lnTo>
-                      <a:cubicBezTo>
-                        <a:pt x="1410" y="2570"/>
-                        <a:pt x="1713" y="2793"/>
-                        <a:pt x="2088" y="3016"/>
-                      </a:cubicBezTo>
-                      <a:lnTo>
-                        <a:pt x="2088" y="3016"/>
-                      </a:lnTo>
-                      <a:cubicBezTo>
-                        <a:pt x="2650" y="3034"/>
-                        <a:pt x="3783" y="3114"/>
-                        <a:pt x="4149" y="3498"/>
-                      </a:cubicBezTo>
-                      <a:lnTo>
-                        <a:pt x="4149" y="3498"/>
-                      </a:lnTo>
-                      <a:cubicBezTo>
-                        <a:pt x="4149" y="3498"/>
-                        <a:pt x="4149" y="3498"/>
-                        <a:pt x="4158" y="3498"/>
-                      </a:cubicBezTo>
-                      <a:lnTo>
-                        <a:pt x="4158" y="3498"/>
-                      </a:lnTo>
-                      <a:cubicBezTo>
-                        <a:pt x="4283" y="3560"/>
-                        <a:pt x="4461" y="3676"/>
-                        <a:pt x="4497" y="3801"/>
-                      </a:cubicBezTo>
-                      <a:lnTo>
-                        <a:pt x="4497" y="3801"/>
-                      </a:lnTo>
-                      <a:cubicBezTo>
-                        <a:pt x="4568" y="4042"/>
-                        <a:pt x="4577" y="4470"/>
-                        <a:pt x="4184" y="4524"/>
-                      </a:cubicBezTo>
-                      <a:lnTo>
-                        <a:pt x="4184" y="4524"/>
-                      </a:lnTo>
-                      <a:cubicBezTo>
-                        <a:pt x="4158" y="4550"/>
-                        <a:pt x="4122" y="4568"/>
-                        <a:pt x="4086" y="4586"/>
-                      </a:cubicBezTo>
-                      <a:lnTo>
-                        <a:pt x="4086" y="4586"/>
-                      </a:lnTo>
-                      <a:cubicBezTo>
-                        <a:pt x="4077" y="4586"/>
-                        <a:pt x="4077" y="4586"/>
-                        <a:pt x="4069" y="4595"/>
-                      </a:cubicBezTo>
-                      <a:lnTo>
-                        <a:pt x="4069" y="4595"/>
-                      </a:lnTo>
-                      <a:cubicBezTo>
-                        <a:pt x="4363" y="5059"/>
-                        <a:pt x="4693" y="5416"/>
-                        <a:pt x="5005" y="5291"/>
-                      </a:cubicBezTo>
-                      <a:lnTo>
-                        <a:pt x="5005" y="5291"/>
-                      </a:lnTo>
-                      <a:cubicBezTo>
-                        <a:pt x="5416" y="5130"/>
-                        <a:pt x="5023" y="4336"/>
-                        <a:pt x="5023" y="4336"/>
-                      </a:cubicBezTo>
-                      <a:lnTo>
-                        <a:pt x="5023" y="4336"/>
-                      </a:lnTo>
-                      <a:lnTo>
-                        <a:pt x="3837" y="2052"/>
-                      </a:lnTo>
-                      <a:lnTo>
-                        <a:pt x="3221" y="1365"/>
-                      </a:lnTo>
-                      <a:lnTo>
-                        <a:pt x="3346" y="1321"/>
-                      </a:lnTo>
-                      <a:cubicBezTo>
-                        <a:pt x="3480" y="1571"/>
-                        <a:pt x="4390" y="2374"/>
-                        <a:pt x="4827" y="2588"/>
-                      </a:cubicBezTo>
-                      <a:lnTo>
-                        <a:pt x="4827" y="2588"/>
-                      </a:lnTo>
-                      <a:cubicBezTo>
-                        <a:pt x="5603" y="3462"/>
-                        <a:pt x="6317" y="4185"/>
-                        <a:pt x="6807" y="4024"/>
-                      </a:cubicBezTo>
-                      <a:lnTo>
-                        <a:pt x="6807" y="4024"/>
-                      </a:lnTo>
-                      <a:cubicBezTo>
-                        <a:pt x="7298" y="3863"/>
-                        <a:pt x="6673" y="2953"/>
-                        <a:pt x="6673" y="2953"/>
-                      </a:cubicBezTo>
-                      <a:lnTo>
-                        <a:pt x="6673" y="2953"/>
-                      </a:lnTo>
-                      <a:lnTo>
-                        <a:pt x="5665" y="1589"/>
-                      </a:lnTo>
-                      <a:lnTo>
-                        <a:pt x="4149" y="197"/>
-                      </a:lnTo>
-                      <a:cubicBezTo>
-                        <a:pt x="3926" y="206"/>
-                        <a:pt x="3542" y="170"/>
-                        <a:pt x="3382" y="1"/>
-                      </a:cubicBezTo>
-                      <a:lnTo>
-                        <a:pt x="3382" y="1"/>
-                      </a:lnTo>
-                      <a:cubicBezTo>
-                        <a:pt x="3382" y="1"/>
-                        <a:pt x="2525" y="518"/>
-                        <a:pt x="1580" y="464"/>
-                      </a:cubicBezTo>
-                    </a:path>
-                  </a:pathLst>
-                </a:custGeom>
-                <a:gradFill>
-                  <a:gsLst>
-                    <a:gs pos="0">
-                      <a:schemeClr val="accent1"/>
-                    </a:gs>
-                    <a:gs pos="100000">
-                      <a:schemeClr val="dk2"/>
-                    </a:gs>
-                  </a:gsLst>
-                  <a:lin ang="0" scaled="0"/>
-                </a:gradFill>
-                <a:ln>
-                  <a:noFill/>
-                </a:ln>
-              </p:spPr>
-              <p:txBody>
-                <a:bodyPr spcFirstLastPara="1" wrap="square" lIns="91425" tIns="91425" rIns="91425" bIns="91425" anchor="ctr" anchorCtr="0">
-                  <a:noAutofit/>
-                </a:bodyPr>
-                <a:lstStyle/>
-                <a:p>
-                  <a:pPr marL="0" lvl="0" indent="0" algn="l" rtl="0">
-                    <a:spcBef>
-                      <a:spcPts val="0"/>
-                    </a:spcBef>
-                    <a:spcAft>
-                      <a:spcPts val="0"/>
-                    </a:spcAft>
-                    <a:buNone/>
-                  </a:pPr>
-                  <a:endParaRPr/>
-                </a:p>
-              </p:txBody>
-            </p:sp>
-            <p:sp>
-              <p:nvSpPr>
-                <p:cNvPr id="411" name="Google Shape;411;p32"/>
-                <p:cNvSpPr/>
-                <p:nvPr/>
-              </p:nvSpPr>
-              <p:spPr>
-                <a:xfrm>
-                  <a:off x="2522549" y="1786447"/>
-                  <a:ext cx="896049" cy="896151"/>
-                </a:xfrm>
-                <a:custGeom>
-                  <a:avLst/>
-                  <a:gdLst/>
-                  <a:ahLst/>
-                  <a:cxnLst/>
-                  <a:rect l="l" t="t" r="r" b="b"/>
-                  <a:pathLst>
-                    <a:path w="4809" h="4810" extrusionOk="0">
-                      <a:moveTo>
-                        <a:pt x="4345" y="1571"/>
-                      </a:moveTo>
-                      <a:cubicBezTo>
-                        <a:pt x="4809" y="2641"/>
-                        <a:pt x="4309" y="3890"/>
-                        <a:pt x="3239" y="4345"/>
-                      </a:cubicBezTo>
-                      <a:cubicBezTo>
-                        <a:pt x="2168" y="4809"/>
-                        <a:pt x="919" y="4319"/>
-                        <a:pt x="464" y="3248"/>
-                      </a:cubicBezTo>
-                      <a:cubicBezTo>
-                        <a:pt x="0" y="2169"/>
-                        <a:pt x="491" y="929"/>
-                        <a:pt x="1571" y="465"/>
-                      </a:cubicBezTo>
-                      <a:cubicBezTo>
-                        <a:pt x="2641" y="1"/>
-                        <a:pt x="3881" y="500"/>
-                        <a:pt x="4345" y="1571"/>
-                      </a:cubicBezTo>
-                    </a:path>
-                  </a:pathLst>
-                </a:custGeom>
-                <a:gradFill>
-                  <a:gsLst>
-                    <a:gs pos="0">
-                      <a:srgbClr val="FFFFFF">
-                        <a:alpha val="50196"/>
-                      </a:srgbClr>
-                    </a:gs>
-                    <a:gs pos="67000">
-                      <a:srgbClr val="FFFFFF">
-                        <a:alpha val="0"/>
-                      </a:srgbClr>
-                    </a:gs>
-                    <a:gs pos="100000">
-                      <a:srgbClr val="FFFFFF">
-                        <a:alpha val="0"/>
-                      </a:srgbClr>
-                    </a:gs>
-                  </a:gsLst>
-                  <a:path path="circle">
-                    <a:fillToRect l="50000" t="50000" r="50000" b="50000"/>
-                  </a:path>
-                  <a:tileRect/>
-                </a:gradFill>
-                <a:ln>
-                  <a:noFill/>
-                </a:ln>
-              </p:spPr>
-              <p:txBody>
-                <a:bodyPr spcFirstLastPara="1" wrap="square" lIns="91425" tIns="91425" rIns="91425" bIns="91425" anchor="ctr" anchorCtr="0">
-                  <a:noAutofit/>
-                </a:bodyPr>
-                <a:lstStyle/>
-                <a:p>
-                  <a:pPr marL="0" lvl="0" indent="0" algn="l" rtl="0">
-                    <a:spcBef>
-                      <a:spcPts val="0"/>
-                    </a:spcBef>
-                    <a:spcAft>
-                      <a:spcPts val="0"/>
-                    </a:spcAft>
-                    <a:buNone/>
-                  </a:pPr>
-                  <a:endParaRPr/>
-                </a:p>
-              </p:txBody>
-            </p:sp>
-          </p:grpSp>
-          <p:sp>
-            <p:nvSpPr>
-              <p:cNvPr id="412" name="Google Shape;412;p32"/>
-              <p:cNvSpPr/>
-              <p:nvPr/>
-            </p:nvSpPr>
-            <p:spPr>
-              <a:xfrm>
-                <a:off x="6149503" y="476042"/>
-                <a:ext cx="660023" cy="660100"/>
-              </a:xfrm>
-              <a:custGeom>
-                <a:avLst/>
-                <a:gdLst/>
-                <a:ahLst/>
-                <a:cxnLst/>
-                <a:rect l="l" t="t" r="r" b="b"/>
-                <a:pathLst>
-                  <a:path w="4809" h="4810" extrusionOk="0">
-                    <a:moveTo>
-                      <a:pt x="4345" y="1571"/>
-                    </a:moveTo>
-                    <a:cubicBezTo>
-                      <a:pt x="4809" y="2641"/>
-                      <a:pt x="4309" y="3890"/>
-                      <a:pt x="3239" y="4345"/>
-                    </a:cubicBezTo>
-                    <a:cubicBezTo>
-                      <a:pt x="2168" y="4809"/>
-                      <a:pt x="919" y="4319"/>
-                      <a:pt x="464" y="3248"/>
-                    </a:cubicBezTo>
-                    <a:cubicBezTo>
-                      <a:pt x="0" y="2169"/>
-                      <a:pt x="491" y="929"/>
-                      <a:pt x="1571" y="465"/>
-                    </a:cubicBezTo>
-                    <a:cubicBezTo>
-                      <a:pt x="2641" y="1"/>
-                      <a:pt x="3881" y="500"/>
-                      <a:pt x="4345" y="1571"/>
-                    </a:cubicBezTo>
-                  </a:path>
-                </a:pathLst>
-              </a:custGeom>
-              <a:gradFill>
-                <a:gsLst>
-                  <a:gs pos="0">
-                    <a:schemeClr val="dk2"/>
-                  </a:gs>
-                  <a:gs pos="57000">
-                    <a:srgbClr val="FFFFFF">
-                      <a:alpha val="0"/>
-                    </a:srgbClr>
-                  </a:gs>
-                  <a:gs pos="100000">
-                    <a:srgbClr val="FFFFFF">
-                      <a:alpha val="0"/>
-                    </a:srgbClr>
-                  </a:gs>
-                </a:gsLst>
-                <a:path path="circle">
-                  <a:fillToRect l="50000" t="50000" r="50000" b="50000"/>
-                </a:path>
-                <a:tileRect/>
-              </a:gradFill>
-              <a:ln>
-                <a:noFill/>
-              </a:ln>
-            </p:spPr>
-            <p:txBody>
-              <a:bodyPr spcFirstLastPara="1" wrap="square" lIns="91425" tIns="91425" rIns="91425" bIns="91425" anchor="ctr" anchorCtr="0">
-                <a:noAutofit/>
-              </a:bodyPr>
-              <a:lstStyle/>
-              <a:p>
-                <a:pPr marL="0" lvl="0" indent="0" algn="l" rtl="0">
-                  <a:spcBef>
-                    <a:spcPts val="0"/>
-                  </a:spcBef>
-                  <a:spcAft>
-                    <a:spcPts val="0"/>
-                  </a:spcAft>
-                  <a:buNone/>
-                </a:pPr>
-                <a:endParaRPr/>
-              </a:p>
-            </p:txBody>
-          </p:sp>
-          <p:sp>
-            <p:nvSpPr>
-              <p:cNvPr id="413" name="Google Shape;413;p32"/>
-              <p:cNvSpPr/>
-              <p:nvPr/>
-            </p:nvSpPr>
-            <p:spPr>
-              <a:xfrm>
-                <a:off x="8151030" y="1701868"/>
-                <a:ext cx="468769" cy="468795"/>
-              </a:xfrm>
-              <a:custGeom>
-                <a:avLst/>
-                <a:gdLst/>
-                <a:ahLst/>
-                <a:cxnLst/>
-                <a:rect l="l" t="t" r="r" b="b"/>
-                <a:pathLst>
-                  <a:path w="4809" h="4810" extrusionOk="0">
-                    <a:moveTo>
-                      <a:pt x="4345" y="1571"/>
-                    </a:moveTo>
-                    <a:cubicBezTo>
-                      <a:pt x="4809" y="2641"/>
-                      <a:pt x="4309" y="3890"/>
-                      <a:pt x="3239" y="4345"/>
-                    </a:cubicBezTo>
-                    <a:cubicBezTo>
-                      <a:pt x="2168" y="4809"/>
-                      <a:pt x="919" y="4319"/>
-                      <a:pt x="464" y="3248"/>
-                    </a:cubicBezTo>
-                    <a:cubicBezTo>
-                      <a:pt x="0" y="2169"/>
-                      <a:pt x="491" y="929"/>
-                      <a:pt x="1571" y="465"/>
-                    </a:cubicBezTo>
-                    <a:cubicBezTo>
-                      <a:pt x="2641" y="1"/>
-                      <a:pt x="3881" y="500"/>
-                      <a:pt x="4345" y="1571"/>
-                    </a:cubicBezTo>
-                  </a:path>
-                </a:pathLst>
-              </a:custGeom>
-              <a:gradFill>
-                <a:gsLst>
-                  <a:gs pos="0">
-                    <a:schemeClr val="dk2"/>
-                  </a:gs>
-                  <a:gs pos="57000">
-                    <a:srgbClr val="FFFFFF">
-                      <a:alpha val="0"/>
-                    </a:srgbClr>
-                  </a:gs>
-                  <a:gs pos="100000">
-                    <a:srgbClr val="FFFFFF">
-                      <a:alpha val="0"/>
-                    </a:srgbClr>
-                  </a:gs>
-                </a:gsLst>
-                <a:path path="circle">
-                  <a:fillToRect l="50000" t="50000" r="50000" b="50000"/>
-                </a:path>
-                <a:tileRect/>
-              </a:gradFill>
-              <a:ln>
-                <a:noFill/>
-              </a:ln>
-            </p:spPr>
-            <p:txBody>
-              <a:bodyPr spcFirstLastPara="1" wrap="square" lIns="91425" tIns="91425" rIns="91425" bIns="91425" anchor="ctr" anchorCtr="0">
-                <a:noAutofit/>
-              </a:bodyPr>
-              <a:lstStyle/>
-              <a:p>
-                <a:pPr marL="0" lvl="0" indent="0" algn="l" rtl="0">
-                  <a:spcBef>
-                    <a:spcPts val="0"/>
-                  </a:spcBef>
-                  <a:spcAft>
-                    <a:spcPts val="0"/>
-                  </a:spcAft>
-                  <a:buNone/>
-                </a:pPr>
-                <a:endParaRPr/>
-              </a:p>
-            </p:txBody>
-          </p:sp>
-          <p:sp>
-            <p:nvSpPr>
-              <p:cNvPr id="414" name="Google Shape;414;p32"/>
-              <p:cNvSpPr/>
-              <p:nvPr/>
-            </p:nvSpPr>
-            <p:spPr>
-              <a:xfrm>
-                <a:off x="7824023" y="739328"/>
-                <a:ext cx="327012" cy="327044"/>
-              </a:xfrm>
-              <a:custGeom>
-                <a:avLst/>
-                <a:gdLst/>
-                <a:ahLst/>
-                <a:cxnLst/>
-                <a:rect l="l" t="t" r="r" b="b"/>
-                <a:pathLst>
-                  <a:path w="4809" h="4810" extrusionOk="0">
-                    <a:moveTo>
-                      <a:pt x="4345" y="1571"/>
-                    </a:moveTo>
-                    <a:cubicBezTo>
-                      <a:pt x="4809" y="2641"/>
-                      <a:pt x="4309" y="3890"/>
-                      <a:pt x="3239" y="4345"/>
-                    </a:cubicBezTo>
-                    <a:cubicBezTo>
-                      <a:pt x="2168" y="4809"/>
-                      <a:pt x="919" y="4319"/>
-                      <a:pt x="464" y="3248"/>
-                    </a:cubicBezTo>
-                    <a:cubicBezTo>
-                      <a:pt x="0" y="2169"/>
-                      <a:pt x="491" y="929"/>
-                      <a:pt x="1571" y="465"/>
-                    </a:cubicBezTo>
-                    <a:cubicBezTo>
-                      <a:pt x="2641" y="1"/>
-                      <a:pt x="3881" y="500"/>
-                      <a:pt x="4345" y="1571"/>
-                    </a:cubicBezTo>
-                  </a:path>
-                </a:pathLst>
-              </a:custGeom>
-              <a:gradFill>
-                <a:gsLst>
-                  <a:gs pos="0">
-                    <a:schemeClr val="dk2"/>
-                  </a:gs>
-                  <a:gs pos="57000">
-                    <a:srgbClr val="FFFFFF">
-                      <a:alpha val="0"/>
-                    </a:srgbClr>
-                  </a:gs>
-                  <a:gs pos="100000">
-                    <a:srgbClr val="FFFFFF">
-                      <a:alpha val="0"/>
-                    </a:srgbClr>
-                  </a:gs>
-                </a:gsLst>
-                <a:path path="circle">
-                  <a:fillToRect l="50000" t="50000" r="50000" b="50000"/>
-                </a:path>
-                <a:tileRect/>
-              </a:gradFill>
-              <a:ln>
-                <a:noFill/>
-              </a:ln>
-            </p:spPr>
-            <p:txBody>
-              <a:bodyPr spcFirstLastPara="1" wrap="square" lIns="91425" tIns="91425" rIns="91425" bIns="91425" anchor="ctr" anchorCtr="0">
-                <a:noAutofit/>
-              </a:bodyPr>
-              <a:lstStyle/>
-              <a:p>
-                <a:pPr marL="0" lvl="0" indent="0" algn="l" rtl="0">
-                  <a:spcBef>
-                    <a:spcPts val="0"/>
-                  </a:spcBef>
-                  <a:spcAft>
-                    <a:spcPts val="0"/>
-                  </a:spcAft>
-                  <a:buNone/>
-                </a:pPr>
-                <a:endParaRPr/>
-              </a:p>
-            </p:txBody>
-          </p:sp>
-        </p:grpSp>
-      </p:grpSp>
-    </p:spTree>
-    <p:extLst>
-      <p:ext uri="{BB962C8B-B14F-4D97-AF65-F5344CB8AC3E}">
-        <p14:creationId xmlns:p14="http://schemas.microsoft.com/office/powerpoint/2010/main" val="360692685"/>
-      </p:ext>
-    </p:extLst>
-  </p:cSld>
-  <p:clrMapOvr>
-    <a:masterClrMapping/>
-  </p:clrMapOvr>
-</p:sld>
-</file>
-
-<file path=ppt/slides/slide8.xml><?xml version="1.0" encoding="utf-8"?>
 <p:sld xmlns:a="http://schemas.openxmlformats.org/drawingml/2006/main" xmlns:r="http://schemas.openxmlformats.org/officeDocument/2006/relationships" xmlns:p="http://schemas.openxmlformats.org/presentationml/2006/main">
   <p:cSld>
     <p:spTree>
